--- a/doc/ducksim-overview.pptx
+++ b/doc/ducksim-overview.pptx
@@ -293,7 +293,7 @@
           <a:p>
             <a:fld id="{D1E679A7-972F-1F4E-88BE-84E0F846F4A4}" type="datetimeFigureOut">
               <a:rPr lang="en-US" smtClean="0"/>
-              <a:t>2/4/15</a:t>
+              <a:t>2/5/15</a:t>
             </a:fld>
             <a:endParaRPr lang="en-US"/>
           </a:p>
@@ -463,7 +463,7 @@
           <a:p>
             <a:fld id="{D1E679A7-972F-1F4E-88BE-84E0F846F4A4}" type="datetimeFigureOut">
               <a:rPr lang="en-US" smtClean="0"/>
-              <a:t>2/4/15</a:t>
+              <a:t>2/5/15</a:t>
             </a:fld>
             <a:endParaRPr lang="en-US"/>
           </a:p>
@@ -643,7 +643,7 @@
           <a:p>
             <a:fld id="{D1E679A7-972F-1F4E-88BE-84E0F846F4A4}" type="datetimeFigureOut">
               <a:rPr lang="en-US" smtClean="0"/>
-              <a:t>2/4/15</a:t>
+              <a:t>2/5/15</a:t>
             </a:fld>
             <a:endParaRPr lang="en-US"/>
           </a:p>
@@ -813,7 +813,7 @@
           <a:p>
             <a:fld id="{D1E679A7-972F-1F4E-88BE-84E0F846F4A4}" type="datetimeFigureOut">
               <a:rPr lang="en-US" smtClean="0"/>
-              <a:t>2/4/15</a:t>
+              <a:t>2/5/15</a:t>
             </a:fld>
             <a:endParaRPr lang="en-US"/>
           </a:p>
@@ -1059,7 +1059,7 @@
           <a:p>
             <a:fld id="{D1E679A7-972F-1F4E-88BE-84E0F846F4A4}" type="datetimeFigureOut">
               <a:rPr lang="en-US" smtClean="0"/>
-              <a:t>2/4/15</a:t>
+              <a:t>2/5/15</a:t>
             </a:fld>
             <a:endParaRPr lang="en-US"/>
           </a:p>
@@ -1347,7 +1347,7 @@
           <a:p>
             <a:fld id="{D1E679A7-972F-1F4E-88BE-84E0F846F4A4}" type="datetimeFigureOut">
               <a:rPr lang="en-US" smtClean="0"/>
-              <a:t>2/4/15</a:t>
+              <a:t>2/5/15</a:t>
             </a:fld>
             <a:endParaRPr lang="en-US"/>
           </a:p>
@@ -1769,7 +1769,7 @@
           <a:p>
             <a:fld id="{D1E679A7-972F-1F4E-88BE-84E0F846F4A4}" type="datetimeFigureOut">
               <a:rPr lang="en-US" smtClean="0"/>
-              <a:t>2/4/15</a:t>
+              <a:t>2/5/15</a:t>
             </a:fld>
             <a:endParaRPr lang="en-US"/>
           </a:p>
@@ -1887,7 +1887,7 @@
           <a:p>
             <a:fld id="{D1E679A7-972F-1F4E-88BE-84E0F846F4A4}" type="datetimeFigureOut">
               <a:rPr lang="en-US" smtClean="0"/>
-              <a:t>2/4/15</a:t>
+              <a:t>2/5/15</a:t>
             </a:fld>
             <a:endParaRPr lang="en-US"/>
           </a:p>
@@ -1982,7 +1982,7 @@
           <a:p>
             <a:fld id="{D1E679A7-972F-1F4E-88BE-84E0F846F4A4}" type="datetimeFigureOut">
               <a:rPr lang="en-US" smtClean="0"/>
-              <a:t>2/4/15</a:t>
+              <a:t>2/5/15</a:t>
             </a:fld>
             <a:endParaRPr lang="en-US"/>
           </a:p>
@@ -2259,7 +2259,7 @@
           <a:p>
             <a:fld id="{D1E679A7-972F-1F4E-88BE-84E0F846F4A4}" type="datetimeFigureOut">
               <a:rPr lang="en-US" smtClean="0"/>
-              <a:t>2/4/15</a:t>
+              <a:t>2/5/15</a:t>
             </a:fld>
             <a:endParaRPr lang="en-US"/>
           </a:p>
@@ -2512,7 +2512,7 @@
           <a:p>
             <a:fld id="{D1E679A7-972F-1F4E-88BE-84E0F846F4A4}" type="datetimeFigureOut">
               <a:rPr lang="en-US" smtClean="0"/>
-              <a:t>2/4/15</a:t>
+              <a:t>2/5/15</a:t>
             </a:fld>
             <a:endParaRPr lang="en-US"/>
           </a:p>
@@ -2725,7 +2725,7 @@
           <a:p>
             <a:fld id="{D1E679A7-972F-1F4E-88BE-84E0F846F4A4}" type="datetimeFigureOut">
               <a:rPr lang="en-US" smtClean="0"/>
-              <a:t>2/4/15</a:t>
+              <a:t>2/5/15</a:t>
             </a:fld>
             <a:endParaRPr lang="en-US"/>
           </a:p>
@@ -3493,7 +3493,21 @@
                 <a:latin typeface="Seravek Medium"/>
                 <a:cs typeface="Seravek Medium"/>
               </a:rPr>
-              <a:t>Mr. Chad D. Wood</a:t>
+              <a:t>J. Mohr, S. Sane</a:t>
+            </a:r>
+            <a:r>
+              <a:rPr lang="en-US" sz="2800" dirty="0" smtClean="0">
+                <a:latin typeface="Seravek Medium"/>
+                <a:cs typeface="Seravek Medium"/>
+              </a:rPr>
+              <a:t>, &amp; C. </a:t>
+            </a:r>
+            <a:r>
+              <a:rPr lang="en-US" sz="2800" dirty="0" smtClean="0">
+                <a:latin typeface="Seravek Medium"/>
+                <a:cs typeface="Seravek Medium"/>
+              </a:rPr>
+              <a:t>Wood</a:t>
             </a:r>
             <a:endParaRPr lang="en-US" sz="2800" dirty="0">
               <a:latin typeface="Seravek Medium"/>
@@ -4074,10 +4088,6 @@
               </a:rPr>
               <a:t>Memory</a:t>
             </a:r>
-            <a:endParaRPr lang="en-US" dirty="0" smtClean="0">
-              <a:latin typeface="CMU Typewriter Text Regular"/>
-              <a:cs typeface="CMU Typewriter Text Regular"/>
-            </a:endParaRPr>
           </a:p>
         </p:txBody>
       </p:sp>
@@ -4484,10 +4494,6 @@
               </a:rPr>
               <a:t>Memory</a:t>
             </a:r>
-            <a:endParaRPr lang="en-US" dirty="0" smtClean="0">
-              <a:latin typeface="CMU Typewriter Text Regular"/>
-              <a:cs typeface="CMU Typewriter Text Regular"/>
-            </a:endParaRPr>
           </a:p>
         </p:txBody>
       </p:sp>
@@ -4540,10 +4546,6 @@
               </a:rPr>
               <a:t>Memory</a:t>
             </a:r>
-            <a:endParaRPr lang="en-US" dirty="0" smtClean="0">
-              <a:latin typeface="CMU Typewriter Text Regular"/>
-              <a:cs typeface="CMU Typewriter Text Regular"/>
-            </a:endParaRPr>
           </a:p>
         </p:txBody>
       </p:sp>
@@ -4596,10 +4598,6 @@
               </a:rPr>
               <a:t>Memory</a:t>
             </a:r>
-            <a:endParaRPr lang="en-US" dirty="0" smtClean="0">
-              <a:latin typeface="CMU Typewriter Text Regular"/>
-              <a:cs typeface="CMU Typewriter Text Regular"/>
-            </a:endParaRPr>
           </a:p>
         </p:txBody>
       </p:sp>
@@ -4652,10 +4650,6 @@
               </a:rPr>
               <a:t>Memory</a:t>
             </a:r>
-            <a:endParaRPr lang="en-US" dirty="0" smtClean="0">
-              <a:latin typeface="CMU Typewriter Text Regular"/>
-              <a:cs typeface="CMU Typewriter Text Regular"/>
-            </a:endParaRPr>
           </a:p>
         </p:txBody>
       </p:sp>
@@ -4708,10 +4702,6 @@
               </a:rPr>
               <a:t>Memory</a:t>
             </a:r>
-            <a:endParaRPr lang="en-US" dirty="0" smtClean="0">
-              <a:latin typeface="CMU Typewriter Text Regular"/>
-              <a:cs typeface="CMU Typewriter Text Regular"/>
-            </a:endParaRPr>
           </a:p>
         </p:txBody>
       </p:sp>
@@ -4764,10 +4754,6 @@
               </a:rPr>
               <a:t>Memory</a:t>
             </a:r>
-            <a:endParaRPr lang="en-US" dirty="0" smtClean="0">
-              <a:latin typeface="CMU Typewriter Text Regular"/>
-              <a:cs typeface="CMU Typewriter Text Regular"/>
-            </a:endParaRPr>
           </a:p>
         </p:txBody>
       </p:sp>
@@ -7378,8 +7364,8 @@
         </p:nvSpPr>
         <p:spPr>
           <a:xfrm>
-            <a:off x="4999918" y="5468039"/>
-            <a:ext cx="3917858" cy="725322"/>
+            <a:off x="6053666" y="5468039"/>
+            <a:ext cx="2864109" cy="725322"/>
           </a:xfrm>
           <a:prstGeom prst="rect">
             <a:avLst/>
@@ -7479,8 +7465,8 @@
         </p:nvSpPr>
         <p:spPr>
           <a:xfrm>
-            <a:off x="891379" y="5452511"/>
-            <a:ext cx="3917858" cy="725322"/>
+            <a:off x="2609591" y="5452511"/>
+            <a:ext cx="2960681" cy="725322"/>
           </a:xfrm>
           <a:prstGeom prst="rect">
             <a:avLst/>
@@ -7532,7 +7518,7 @@
         </p:nvSpPr>
         <p:spPr>
           <a:xfrm>
-            <a:off x="3569653" y="5452511"/>
+            <a:off x="4330689" y="5452511"/>
             <a:ext cx="958325" cy="599727"/>
           </a:xfrm>
           <a:prstGeom prst="rect">
@@ -7582,7 +7568,7 @@
         </p:nvCxnSpPr>
         <p:spPr>
           <a:xfrm flipV="1">
-            <a:off x="3767047" y="5315369"/>
+            <a:off x="4528083" y="5315369"/>
             <a:ext cx="0" cy="152670"/>
           </a:xfrm>
           <a:prstGeom prst="line">
@@ -7617,7 +7603,7 @@
         </p:nvCxnSpPr>
         <p:spPr>
           <a:xfrm>
-            <a:off x="3919447" y="5315369"/>
+            <a:off x="4680483" y="5315369"/>
             <a:ext cx="0" cy="152400"/>
           </a:xfrm>
           <a:prstGeom prst="line">
